--- a/0.组会记录/2024-10-28 谈话/report-2024-10-22.pptx
+++ b/0.组会记录/2024-10-28 谈话/report-2024-10-22.pptx
@@ -12,9 +12,9 @@
     <p:sldId id="1047" r:id="rId4"/>
     <p:sldId id="1007" r:id="rId5"/>
     <p:sldId id="1286" r:id="rId6"/>
-    <p:sldId id="1430" r:id="rId8"/>
-    <p:sldId id="1441" r:id="rId9"/>
-    <p:sldId id="1431" r:id="rId10"/>
+    <p:sldId id="1446" r:id="rId8"/>
+    <p:sldId id="1430" r:id="rId9"/>
+    <p:sldId id="1447" r:id="rId10"/>
     <p:sldId id="1429" r:id="rId11"/>
     <p:sldId id="1358" r:id="rId12"/>
     <p:sldId id="1356" r:id="rId13"/>
@@ -4754,7 +4754,7 @@
                 <a:ea typeface="微软雅黑" panose="020B0503020204020204" charset="-122"/>
                 <a:sym typeface="+mn-ea"/>
               </a:rPr>
-              <a:t>了解、学习到的一些大模型的方向</a:t>
+              <a:t>了解、学习到的一些大模型、多模态的内容</a:t>
             </a:r>
             <a:endParaRPr lang="zh-CN" altLang="en-US" sz="2400" dirty="0">
               <a:solidFill>
@@ -4935,29 +4935,7 @@
                 <a:ea typeface="微软雅黑" panose="020B0503020204020204" charset="-122"/>
                 <a:sym typeface="+mn-ea"/>
               </a:rPr>
-              <a:t>了解、学习到的一些</a:t>
-            </a:r>
-            <a:r>
-              <a:rPr lang="zh-CN" altLang="en-US" sz="3600" dirty="0">
-                <a:solidFill>
-                  <a:srgbClr val="383987"/>
-                </a:solidFill>
-                <a:latin typeface="微软雅黑" panose="020B0503020204020204" charset="-122"/>
-                <a:ea typeface="微软雅黑" panose="020B0503020204020204" charset="-122"/>
-                <a:sym typeface="+mn-ea"/>
-              </a:rPr>
-              <a:t>大模型</a:t>
-            </a:r>
-            <a:r>
-              <a:rPr lang="zh-CN" altLang="en-US" sz="3600" dirty="0">
-                <a:solidFill>
-                  <a:srgbClr val="383987"/>
-                </a:solidFill>
-                <a:latin typeface="微软雅黑" panose="020B0503020204020204" charset="-122"/>
-                <a:ea typeface="微软雅黑" panose="020B0503020204020204" charset="-122"/>
-                <a:sym typeface="+mn-ea"/>
-              </a:rPr>
-              <a:t>的方向</a:t>
+              <a:t>了解、学习到的一些大模型、多模态的内容</a:t>
             </a:r>
             <a:endParaRPr lang="zh-CN" altLang="en-US" sz="3600" dirty="0">
               <a:solidFill>
@@ -5207,7 +5185,7 @@
                 <a:ea typeface="微软雅黑" panose="020B0503020204020204" charset="-122"/>
                 <a:sym typeface="+mn-ea"/>
               </a:rPr>
-              <a:t>了解、学习到的一些大模型的方向</a:t>
+              <a:t>了解、学习到的一些大模型、多模态的内容</a:t>
             </a:r>
             <a:endParaRPr lang="en-US" altLang="zh-CN" dirty="0">
               <a:effectLst/>
@@ -5299,7 +5277,47 @@
           </a:bodyPr>
           <a:p>
             <a:pPr indent="457200"/>
-            <a:endParaRPr lang="en-US" sz="1600" dirty="0">
+            <a:r>
+              <a:rPr lang="en-US" sz="1600" dirty="0">
+                <a:solidFill>
+                  <a:schemeClr val="tx1"/>
+                </a:solidFill>
+                <a:latin typeface="微软雅黑" panose="020B0503020204020204" charset="-122"/>
+                <a:ea typeface="微软雅黑" panose="020B0503020204020204" charset="-122"/>
+              </a:rPr>
+              <a:t>https://github.com/RUCAIBox/LLMSurvey?tab=readme-ov-file#chinese-version--</a:t>
+            </a:r>
+            <a:r>
+              <a:rPr lang="zh-CN" altLang="en-US" sz="1600" dirty="0">
+                <a:solidFill>
+                  <a:schemeClr val="tx1"/>
+                </a:solidFill>
+                <a:latin typeface="微软雅黑" panose="020B0503020204020204" charset="-122"/>
+                <a:ea typeface="微软雅黑" panose="020B0503020204020204" charset="-122"/>
+              </a:rPr>
+              <a:t>《对大模型的</a:t>
+            </a:r>
+            <a:r>
+              <a:rPr lang="en-US" altLang="zh-CN" sz="1600" dirty="0">
+                <a:solidFill>
+                  <a:schemeClr val="tx1"/>
+                </a:solidFill>
+                <a:latin typeface="微软雅黑" panose="020B0503020204020204" charset="-122"/>
+                <a:ea typeface="微软雅黑" panose="020B0503020204020204" charset="-122"/>
+              </a:rPr>
+              <a:t>survey</a:t>
+            </a:r>
+            <a:r>
+              <a:rPr lang="zh-CN" altLang="en-US" sz="1600" dirty="0">
+                <a:solidFill>
+                  <a:schemeClr val="tx1"/>
+                </a:solidFill>
+                <a:latin typeface="微软雅黑" panose="020B0503020204020204" charset="-122"/>
+                <a:ea typeface="微软雅黑" panose="020B0503020204020204" charset="-122"/>
+              </a:rPr>
+              <a:t>》</a:t>
+            </a:r>
+            <a:endParaRPr lang="zh-CN" altLang="en-US" sz="1600" dirty="0">
               <a:solidFill>
                 <a:schemeClr val="tx1"/>
               </a:solidFill>
@@ -5308,10 +5326,8 @@
             </a:endParaRPr>
           </a:p>
           <a:p>
-            <a:pPr marL="0" lvl="0" indent="457200">
-              <a:buNone/>
-            </a:pPr>
-            <a:endParaRPr lang="en-US" altLang="zh-CN" sz="1600" dirty="0">
+            <a:pPr indent="457200"/>
+            <a:endParaRPr lang="zh-CN" altLang="en-US" sz="1600" dirty="0">
               <a:solidFill>
                 <a:schemeClr val="tx1"/>
               </a:solidFill>
@@ -5320,22 +5336,18 @@
             </a:endParaRPr>
           </a:p>
           <a:p>
-            <a:pPr marL="0" lvl="0" indent="0">
-              <a:buNone/>
-            </a:pPr>
-            <a:endParaRPr lang="en-US" altLang="zh-CN" sz="1600" dirty="0">
-              <a:solidFill>
-                <a:schemeClr val="tx1"/>
-              </a:solidFill>
-              <a:latin typeface="微软雅黑" panose="020B0503020204020204" charset="-122"/>
-              <a:ea typeface="微软雅黑" panose="020B0503020204020204" charset="-122"/>
-            </a:endParaRPr>
-          </a:p>
-          <a:p>
-            <a:pPr marL="0" lvl="0" indent="0">
-              <a:buNone/>
-            </a:pPr>
-            <a:endParaRPr lang="en-US" altLang="zh-CN" sz="1600" dirty="0">
+            <a:pPr indent="457200"/>
+            <a:r>
+              <a:rPr lang="zh-CN" altLang="en-US" sz="1600" dirty="0">
+                <a:solidFill>
+                  <a:schemeClr val="tx1"/>
+                </a:solidFill>
+                <a:latin typeface="微软雅黑" panose="020B0503020204020204" charset="-122"/>
+                <a:ea typeface="微软雅黑" panose="020B0503020204020204" charset="-122"/>
+              </a:rPr>
+              <a:t>Zhao W X, Zhou K, Li J, et al. A survey of large language models[J]. arXiv preprint arXiv:2303.18223, 2023.</a:t>
+            </a:r>
+            <a:endParaRPr lang="zh-CN" altLang="en-US" sz="1600" dirty="0">
               <a:solidFill>
                 <a:schemeClr val="tx1"/>
               </a:solidFill>
@@ -5401,7 +5413,7 @@
                 <a:latin typeface="微软雅黑" panose="020B0503020204020204" charset="-122"/>
                 <a:ea typeface="微软雅黑" panose="020B0503020204020204" charset="-122"/>
               </a:rPr>
-              <a:t>侧重方向</a:t>
+              <a:t>方向</a:t>
             </a:r>
             <a:endParaRPr lang="zh-CN" altLang="en-US" sz="2000" b="1" dirty="0"/>
           </a:p>
@@ -5520,7 +5532,7 @@
                 <a:ea typeface="微软雅黑" panose="020B0503020204020204" charset="-122"/>
                 <a:sym typeface="+mn-ea"/>
               </a:rPr>
-              <a:t>了解、学习到的一些大模型的方向</a:t>
+              <a:t>了解、学习到的一些大模型、多模态的内容</a:t>
             </a:r>
             <a:endParaRPr lang="en-US" altLang="zh-CN" dirty="0">
               <a:effectLst/>
@@ -5532,7 +5544,7 @@
       </p:sp>
       <p:sp>
         <p:nvSpPr>
-          <p:cNvPr id="5" name="文本框 4"/>
+          <p:cNvPr id="2" name="文本框 1"/>
           <p:cNvSpPr txBox="1"/>
           <p:nvPr>
             <p:custDataLst>
@@ -5542,7 +5554,7 @@
         </p:nvSpPr>
         <p:spPr>
           <a:xfrm>
-            <a:off x="455295" y="972185"/>
+            <a:off x="455295" y="973115"/>
             <a:ext cx="6574155" cy="506730"/>
           </a:xfrm>
           <a:prstGeom prst="rect">
@@ -5563,25 +5575,18 @@
               <a:buChar char="p"/>
             </a:pPr>
             <a:r>
+              <a:rPr lang="zh-CN" b="1" dirty="0">
+                <a:latin typeface="微软雅黑" panose="020B0503020204020204" charset="-122"/>
+                <a:ea typeface="微软雅黑" panose="020B0503020204020204" charset="-122"/>
+              </a:rPr>
+              <a:t>大模型</a:t>
+            </a:r>
+            <a:r>
               <a:rPr lang="zh-CN" altLang="en-US" b="1" dirty="0">
                 <a:latin typeface="微软雅黑" panose="020B0503020204020204" charset="-122"/>
                 <a:ea typeface="微软雅黑" panose="020B0503020204020204" charset="-122"/>
               </a:rPr>
-              <a:t>点云</a:t>
-            </a:r>
-            <a:r>
-              <a:rPr lang="en-US" altLang="zh-CN" b="1" dirty="0">
-                <a:latin typeface="微软雅黑" panose="020B0503020204020204" charset="-122"/>
-                <a:ea typeface="微软雅黑" panose="020B0503020204020204" charset="-122"/>
-              </a:rPr>
-              <a:t>/</a:t>
-            </a:r>
-            <a:r>
-              <a:rPr lang="zh-CN" altLang="en-US" b="1" dirty="0">
-                <a:latin typeface="微软雅黑" panose="020B0503020204020204" charset="-122"/>
-                <a:ea typeface="微软雅黑" panose="020B0503020204020204" charset="-122"/>
-              </a:rPr>
-              <a:t>点+体素：</a:t>
+              <a:t>：</a:t>
             </a:r>
             <a:endParaRPr lang="zh-CN" altLang="en-US" b="1" dirty="0">
               <a:latin typeface="微软雅黑" panose="020B0503020204020204" charset="-122"/>
@@ -5590,20 +5595,40 @@
           </a:p>
         </p:txBody>
       </p:sp>
-      <p:sp>
-        <p:nvSpPr>
-          <p:cNvPr id="2" name="文本框 1"/>
+      <p:pic>
+        <p:nvPicPr>
+          <p:cNvPr id="8" name="图片 7"/>
+          <p:cNvPicPr>
+            <a:picLocks noChangeAspect="1"/>
+          </p:cNvPicPr>
+          <p:nvPr/>
+        </p:nvPicPr>
+        <p:blipFill>
+          <a:blip r:embed="rId3"/>
+          <a:stretch>
+            <a:fillRect/>
+          </a:stretch>
+        </p:blipFill>
+        <p:spPr>
+          <a:xfrm>
+            <a:off x="106680" y="2270125"/>
+            <a:ext cx="10010775" cy="4368800"/>
+          </a:xfrm>
+          <a:prstGeom prst="rect">
+            <a:avLst/>
+          </a:prstGeom>
+        </p:spPr>
+      </p:pic>
+      <p:sp>
+        <p:nvSpPr>
+          <p:cNvPr id="11" name="文本框 10"/>
           <p:cNvSpPr txBox="1"/>
-          <p:nvPr>
-            <p:custDataLst>
-              <p:tags r:id="rId3"/>
-            </p:custDataLst>
-          </p:nvPr>
-        </p:nvSpPr>
-        <p:spPr>
-          <a:xfrm>
-            <a:off x="455295" y="4171610"/>
-            <a:ext cx="6574155" cy="506730"/>
+          <p:nvPr/>
+        </p:nvSpPr>
+        <p:spPr>
+          <a:xfrm>
+            <a:off x="233045" y="989965"/>
+            <a:ext cx="10356215" cy="829945"/>
           </a:xfrm>
           <a:prstGeom prst="rect">
             <a:avLst/>
@@ -5611,68 +5636,10 @@
           <a:noFill/>
         </p:spPr>
         <p:txBody>
-          <a:bodyPr wrap="square" rtlCol="0">
-            <a:spAutoFit/>
-          </a:bodyPr>
-          <a:p>
-            <a:pPr marL="285750" indent="-285750">
-              <a:lnSpc>
-                <a:spcPct val="150000"/>
-              </a:lnSpc>
-              <a:buFont typeface="Wingdings" panose="05000000000000000000" charset="0"/>
-              <a:buChar char="p"/>
-            </a:pPr>
-            <a:r>
-              <a:rPr lang="en-US" altLang="zh-CN" b="1" dirty="0">
-                <a:latin typeface="微软雅黑" panose="020B0503020204020204" charset="-122"/>
-                <a:ea typeface="微软雅黑" panose="020B0503020204020204" charset="-122"/>
-              </a:rPr>
-              <a:t>2d based method  (transformer) 2d</a:t>
-            </a:r>
-            <a:r>
-              <a:rPr lang="zh-CN" altLang="en-US" b="1" dirty="0">
-                <a:latin typeface="微软雅黑" panose="020B0503020204020204" charset="-122"/>
-                <a:ea typeface="微软雅黑" panose="020B0503020204020204" charset="-122"/>
-              </a:rPr>
-              <a:t>方法的迁移：</a:t>
-            </a:r>
-            <a:endParaRPr lang="zh-CN" altLang="en-US" b="1" dirty="0">
-              <a:latin typeface="微软雅黑" panose="020B0503020204020204" charset="-122"/>
-              <a:ea typeface="微软雅黑" panose="020B0503020204020204" charset="-122"/>
-            </a:endParaRPr>
-          </a:p>
-        </p:txBody>
-      </p:sp>
-      <p:sp>
-        <p:nvSpPr>
-          <p:cNvPr id="4" name="文本框 3"/>
-          <p:cNvSpPr txBox="1"/>
-          <p:nvPr/>
-        </p:nvSpPr>
-        <p:spPr>
-          <a:xfrm>
-            <a:off x="232982" y="4563999"/>
-            <a:ext cx="11042880" cy="2455805"/>
-          </a:xfrm>
-          <a:prstGeom prst="rect">
-            <a:avLst/>
-          </a:prstGeom>
-          <a:noFill/>
-        </p:spPr>
-        <p:txBody>
           <a:bodyPr wrap="square" rtlCol="0" anchor="t">
             <a:noAutofit/>
           </a:bodyPr>
           <a:p>
-            <a:pPr marL="0" indent="457200" algn="l" defTabSz="0" rtl="0" eaLnBrk="1" latinLnBrk="0" hangingPunct="1">
-              <a:spcBef>
-                <a:spcPct val="0"/>
-              </a:spcBef>
-              <a:spcAft>
-                <a:spcPct val="0"/>
-              </a:spcAft>
-              <a:buNone/>
-            </a:pPr>
             <a:r>
               <a:rPr lang="en-US" sz="1600" dirty="0">
                 <a:solidFill>
@@ -5681,7 +5648,7 @@
                 <a:latin typeface="微软雅黑" panose="020B0503020204020204" charset="-122"/>
                 <a:ea typeface="微软雅黑" panose="020B0503020204020204" charset="-122"/>
               </a:rPr>
-              <a:t>Misra I, Girdhar R, Joulin A. An end-to-end transformer model for 3d object detection[C]//Proceedings of the IEEE/CVF international conference on computer vision. 2021</a:t>
+              <a:t>  </a:t>
             </a:r>
             <a:endParaRPr lang="en-US" sz="1600" dirty="0">
               <a:solidFill>
@@ -5692,15 +5659,6 @@
             </a:endParaRPr>
           </a:p>
           <a:p>
-            <a:pPr marL="0" indent="457200" algn="l" defTabSz="0" rtl="0" eaLnBrk="1" latinLnBrk="0" hangingPunct="1">
-              <a:spcBef>
-                <a:spcPct val="0"/>
-              </a:spcBef>
-              <a:spcAft>
-                <a:spcPct val="0"/>
-              </a:spcAft>
-              <a:buNone/>
-            </a:pPr>
             <a:endParaRPr lang="en-US" sz="1600" dirty="0">
               <a:solidFill>
                 <a:schemeClr val="tx1"/>
@@ -5710,15 +5668,16 @@
             </a:endParaRPr>
           </a:p>
           <a:p>
-            <a:pPr marL="0" indent="457200" algn="l" defTabSz="0" rtl="0" eaLnBrk="1" latinLnBrk="0" hangingPunct="1">
-              <a:spcBef>
-                <a:spcPct val="0"/>
-              </a:spcBef>
-              <a:spcAft>
-                <a:spcPct val="0"/>
-              </a:spcAft>
-              <a:buNone/>
-            </a:pPr>
+            <a:r>
+              <a:rPr lang="en-US" sz="1600" dirty="0">
+                <a:solidFill>
+                  <a:schemeClr val="tx1"/>
+                </a:solidFill>
+                <a:latin typeface="微软雅黑" panose="020B0503020204020204" charset="-122"/>
+                <a:ea typeface="微软雅黑" panose="020B0503020204020204" charset="-122"/>
+              </a:rPr>
+              <a:t>       </a:t>
+            </a:r>
             <a:r>
               <a:rPr lang="zh-CN" altLang="en-US" sz="1600" dirty="0">
                 <a:solidFill>
@@ -5727,7 +5686,7 @@
                 <a:latin typeface="微软雅黑" panose="020B0503020204020204" charset="-122"/>
                 <a:ea typeface="微软雅黑" panose="020B0503020204020204" charset="-122"/>
               </a:rPr>
-              <a:t>	做一些从</a:t>
+              <a:t>在</a:t>
             </a:r>
             <a:r>
               <a:rPr lang="en-US" altLang="zh-CN" sz="1600" dirty="0">
@@ -5737,7 +5696,7 @@
                 <a:latin typeface="微软雅黑" panose="020B0503020204020204" charset="-122"/>
                 <a:ea typeface="微软雅黑" panose="020B0503020204020204" charset="-122"/>
               </a:rPr>
-              <a:t>2d detection</a:t>
+              <a:t>survey</a:t>
             </a:r>
             <a:r>
               <a:rPr lang="zh-CN" altLang="en-US" sz="1600" dirty="0">
@@ -5747,7 +5706,7 @@
                 <a:latin typeface="微软雅黑" panose="020B0503020204020204" charset="-122"/>
                 <a:ea typeface="微软雅黑" panose="020B0503020204020204" charset="-122"/>
               </a:rPr>
-              <a:t>迁移来的想法做</a:t>
+              <a:t>中提到现有大模型对各个应用领域的覆盖：</a:t>
             </a:r>
             <a:r>
               <a:rPr lang="en-US" altLang="zh-CN" sz="1600" dirty="0">
@@ -5757,7 +5716,7 @@
                 <a:latin typeface="微软雅黑" panose="020B0503020204020204" charset="-122"/>
                 <a:ea typeface="微软雅黑" panose="020B0503020204020204" charset="-122"/>
               </a:rPr>
-              <a:t>3d detection</a:t>
+              <a:t>NLP</a:t>
             </a:r>
             <a:r>
               <a:rPr lang="zh-CN" altLang="en-US" sz="1600" dirty="0">
@@ -5767,7 +5726,7 @@
                 <a:latin typeface="微软雅黑" panose="020B0503020204020204" charset="-122"/>
                 <a:ea typeface="微软雅黑" panose="020B0503020204020204" charset="-122"/>
               </a:rPr>
-              <a:t>，比如</a:t>
+              <a:t>处理，计算机视觉，自动驾驶，金融问题，以及老师分享的</a:t>
             </a:r>
             <a:r>
               <a:rPr lang="en-US" altLang="zh-CN" sz="1600" dirty="0">
@@ -5777,7 +5736,7 @@
                 <a:latin typeface="微软雅黑" panose="020B0503020204020204" charset="-122"/>
                 <a:ea typeface="微软雅黑" panose="020B0503020204020204" charset="-122"/>
               </a:rPr>
-              <a:t>Transformer detr</a:t>
+              <a:t>work</a:t>
             </a:r>
             <a:r>
               <a:rPr lang="zh-CN" altLang="en-US" sz="1600" dirty="0">
@@ -5787,147 +5746,7 @@
                 <a:latin typeface="微软雅黑" panose="020B0503020204020204" charset="-122"/>
                 <a:ea typeface="微软雅黑" panose="020B0503020204020204" charset="-122"/>
               </a:rPr>
-              <a:t>之类的，老师之前也推荐过一篇</a:t>
-            </a:r>
-            <a:r>
-              <a:rPr lang="en-US" altLang="zh-CN" sz="1600" dirty="0">
-                <a:solidFill>
-                  <a:schemeClr val="tx1"/>
-                </a:solidFill>
-                <a:latin typeface="微软雅黑" panose="020B0503020204020204" charset="-122"/>
-                <a:ea typeface="微软雅黑" panose="020B0503020204020204" charset="-122"/>
-              </a:rPr>
-              <a:t>detr</a:t>
-            </a:r>
-            <a:r>
-              <a:rPr lang="zh-CN" altLang="en-US" sz="1600" dirty="0">
-                <a:solidFill>
-                  <a:schemeClr val="tx1"/>
-                </a:solidFill>
-                <a:latin typeface="微软雅黑" panose="020B0503020204020204" charset="-122"/>
-                <a:ea typeface="微软雅黑" panose="020B0503020204020204" charset="-122"/>
-              </a:rPr>
-              <a:t>改	的</a:t>
-            </a:r>
-            <a:r>
-              <a:rPr lang="en-US" altLang="zh-CN" sz="1600" dirty="0">
-                <a:solidFill>
-                  <a:schemeClr val="tx1"/>
-                </a:solidFill>
-                <a:latin typeface="微软雅黑" panose="020B0503020204020204" charset="-122"/>
-                <a:ea typeface="微软雅黑" panose="020B0503020204020204" charset="-122"/>
-              </a:rPr>
-              <a:t>3d detection</a:t>
-            </a:r>
-            <a:r>
-              <a:rPr lang="zh-CN" altLang="en-US" sz="1600" dirty="0">
-                <a:solidFill>
-                  <a:schemeClr val="tx1"/>
-                </a:solidFill>
-                <a:latin typeface="微软雅黑" panose="020B0503020204020204" charset="-122"/>
-                <a:ea typeface="微软雅黑" panose="020B0503020204020204" charset="-122"/>
-              </a:rPr>
-              <a:t>，我想的就是能不能在基于</a:t>
-            </a:r>
-            <a:r>
-              <a:rPr lang="en-US" altLang="zh-CN" sz="1600" dirty="0">
-                <a:solidFill>
-                  <a:schemeClr val="tx1"/>
-                </a:solidFill>
-                <a:latin typeface="微软雅黑" panose="020B0503020204020204" charset="-122"/>
-                <a:ea typeface="微软雅黑" panose="020B0503020204020204" charset="-122"/>
-              </a:rPr>
-              <a:t>Transformer</a:t>
-            </a:r>
-            <a:r>
-              <a:rPr lang="zh-CN" altLang="en-US" sz="1600" dirty="0">
-                <a:solidFill>
-                  <a:schemeClr val="tx1"/>
-                </a:solidFill>
-                <a:latin typeface="微软雅黑" panose="020B0503020204020204" charset="-122"/>
-                <a:ea typeface="微软雅黑" panose="020B0503020204020204" charset="-122"/>
-              </a:rPr>
-              <a:t>的变体或者</a:t>
-            </a:r>
-            <a:r>
-              <a:rPr lang="en-US" altLang="zh-CN" sz="1600" dirty="0">
-                <a:solidFill>
-                  <a:schemeClr val="tx1"/>
-                </a:solidFill>
-                <a:latin typeface="微软雅黑" panose="020B0503020204020204" charset="-122"/>
-                <a:ea typeface="微软雅黑" panose="020B0503020204020204" charset="-122"/>
-              </a:rPr>
-              <a:t>yolo</a:t>
-            </a:r>
-            <a:r>
-              <a:rPr lang="zh-CN" altLang="en-US" sz="1600" dirty="0">
-                <a:solidFill>
-                  <a:schemeClr val="tx1"/>
-                </a:solidFill>
-                <a:latin typeface="微软雅黑" panose="020B0503020204020204" charset="-122"/>
-                <a:ea typeface="微软雅黑" panose="020B0503020204020204" charset="-122"/>
-              </a:rPr>
-              <a:t>迁移到</a:t>
-            </a:r>
-            <a:r>
-              <a:rPr lang="en-US" altLang="zh-CN" sz="1600" dirty="0">
-                <a:solidFill>
-                  <a:schemeClr val="tx1"/>
-                </a:solidFill>
-                <a:latin typeface="微软雅黑" panose="020B0503020204020204" charset="-122"/>
-                <a:ea typeface="微软雅黑" panose="020B0503020204020204" charset="-122"/>
-              </a:rPr>
-              <a:t>3d detection</a:t>
-            </a:r>
-            <a:r>
-              <a:rPr lang="zh-CN" altLang="en-US" sz="1600" dirty="0">
-                <a:solidFill>
-                  <a:schemeClr val="tx1"/>
-                </a:solidFill>
-                <a:latin typeface="微软雅黑" panose="020B0503020204020204" charset="-122"/>
-                <a:ea typeface="微软雅黑" panose="020B0503020204020204" charset="-122"/>
-              </a:rPr>
-              <a:t>方面上做文章。比如老师之前推荐的那一篇文章下文的</a:t>
-            </a:r>
-            <a:r>
-              <a:rPr lang="en-US" altLang="zh-CN" sz="1600" dirty="0">
-                <a:solidFill>
-                  <a:schemeClr val="tx1"/>
-                </a:solidFill>
-                <a:latin typeface="微软雅黑" panose="020B0503020204020204" charset="-122"/>
-                <a:ea typeface="微软雅黑" panose="020B0503020204020204" charset="-122"/>
-              </a:rPr>
-              <a:t>complex</a:t>
-            </a:r>
-            <a:r>
-              <a:rPr lang="zh-CN" altLang="en-US" sz="1600" dirty="0">
-                <a:solidFill>
-                  <a:schemeClr val="tx1"/>
-                </a:solidFill>
-                <a:latin typeface="微软雅黑" panose="020B0503020204020204" charset="-122"/>
-                <a:ea typeface="微软雅黑" panose="020B0503020204020204" charset="-122"/>
-              </a:rPr>
-              <a:t>-</a:t>
-            </a:r>
-            <a:r>
-              <a:rPr lang="en-US" altLang="zh-CN" sz="1600" dirty="0">
-                <a:solidFill>
-                  <a:schemeClr val="tx1"/>
-                </a:solidFill>
-                <a:latin typeface="微软雅黑" panose="020B0503020204020204" charset="-122"/>
-                <a:ea typeface="微软雅黑" panose="020B0503020204020204" charset="-122"/>
-              </a:rPr>
-              <a:t>yolo</a:t>
-            </a:r>
-            <a:r>
-              <a:rPr lang="zh-CN" altLang="en-US" sz="1600" dirty="0">
-                <a:solidFill>
-                  <a:schemeClr val="tx1"/>
-                </a:solidFill>
-                <a:latin typeface="微软雅黑" panose="020B0503020204020204" charset="-122"/>
-                <a:ea typeface="微软雅黑" panose="020B0503020204020204" charset="-122"/>
-              </a:rPr>
-              <a:t>：</a:t>
+              <a:t>里面提到的，结合科学知识实现。</a:t>
             </a:r>
             <a:endParaRPr lang="zh-CN" altLang="en-US" sz="1600" dirty="0">
               <a:solidFill>
@@ -5937,226 +5756,8 @@
               <a:ea typeface="微软雅黑" panose="020B0503020204020204" charset="-122"/>
             </a:endParaRPr>
           </a:p>
-          <a:p>
-            <a:pPr marL="0" indent="457200" algn="l" defTabSz="0" rtl="0" eaLnBrk="1" latinLnBrk="0" hangingPunct="1">
-              <a:spcBef>
-                <a:spcPct val="0"/>
-              </a:spcBef>
-              <a:spcAft>
-                <a:spcPct val="0"/>
-              </a:spcAft>
-              <a:buNone/>
-            </a:pPr>
-            <a:endParaRPr lang="en-US" sz="1600" dirty="0">
-              <a:solidFill>
-                <a:schemeClr val="tx1"/>
-              </a:solidFill>
-              <a:latin typeface="微软雅黑" panose="020B0503020204020204" charset="-122"/>
-              <a:ea typeface="微软雅黑" panose="020B0503020204020204" charset="-122"/>
-            </a:endParaRPr>
-          </a:p>
-          <a:p>
-            <a:pPr marL="0" indent="457200" algn="l" defTabSz="0" rtl="0" eaLnBrk="1" latinLnBrk="0" hangingPunct="1">
-              <a:spcBef>
-                <a:spcPct val="0"/>
-              </a:spcBef>
-              <a:spcAft>
-                <a:spcPct val="0"/>
-              </a:spcAft>
-              <a:buNone/>
-            </a:pPr>
-            <a:r>
-              <a:rPr lang="zh-CN" altLang="en-US" sz="1600" dirty="0">
-                <a:solidFill>
-                  <a:schemeClr val="tx1"/>
-                </a:solidFill>
-                <a:latin typeface="微软雅黑" panose="020B0503020204020204" charset="-122"/>
-                <a:ea typeface="微软雅黑" panose="020B0503020204020204" charset="-122"/>
-              </a:rPr>
-              <a:t>imon M, Amende K, Kraus A, et al. Complexer-yolo: Real-time 3d object detection and tracking on semantic point clouds[C]//Proceedings of the IEEE/CVF</a:t>
-            </a:r>
-            <a:endParaRPr lang="zh-CN" altLang="en-US" sz="1600" dirty="0">
-              <a:solidFill>
-                <a:schemeClr val="tx1"/>
-              </a:solidFill>
-              <a:latin typeface="微软雅黑" panose="020B0503020204020204" charset="-122"/>
-              <a:ea typeface="微软雅黑" panose="020B0503020204020204" charset="-122"/>
-            </a:endParaRPr>
-          </a:p>
-        </p:txBody>
-      </p:sp>
-      <p:sp>
-        <p:nvSpPr>
-          <p:cNvPr id="6" name="文本框 5"/>
-          <p:cNvSpPr txBox="1"/>
-          <p:nvPr/>
-        </p:nvSpPr>
-        <p:spPr>
-          <a:xfrm>
-            <a:off x="232980" y="1478841"/>
-            <a:ext cx="6796416" cy="829945"/>
-          </a:xfrm>
-          <a:prstGeom prst="rect">
-            <a:avLst/>
-          </a:prstGeom>
-          <a:noFill/>
-        </p:spPr>
-        <p:txBody>
-          <a:bodyPr wrap="square" rtlCol="0" anchor="t">
-            <a:noAutofit/>
-          </a:bodyPr>
-          <a:p>
-            <a:r>
-              <a:rPr lang="en-US" sz="1600" dirty="0">
-                <a:solidFill>
-                  <a:schemeClr val="tx1"/>
-                </a:solidFill>
-                <a:latin typeface="微软雅黑" panose="020B0503020204020204" charset="-122"/>
-                <a:ea typeface="微软雅黑" panose="020B0503020204020204" charset="-122"/>
-              </a:rPr>
-              <a:t>        Yuan J, Zhang B, Yan X, et al. Ad-pt: Autonomous driving pre-training with large-scale point cloud dataset[J]. Advances in Neural Information Processing Systems, 2024</a:t>
-            </a:r>
-            <a:endParaRPr lang="en-US" sz="1600" dirty="0">
-              <a:solidFill>
-                <a:schemeClr val="tx1"/>
-              </a:solidFill>
-              <a:latin typeface="微软雅黑" panose="020B0503020204020204" charset="-122"/>
-              <a:ea typeface="微软雅黑" panose="020B0503020204020204" charset="-122"/>
-            </a:endParaRPr>
-          </a:p>
-          <a:p>
-            <a:endParaRPr lang="en-US" sz="1600" dirty="0">
-              <a:solidFill>
-                <a:schemeClr val="tx1"/>
-              </a:solidFill>
-              <a:latin typeface="微软雅黑" panose="020B0503020204020204" charset="-122"/>
-              <a:ea typeface="微软雅黑" panose="020B0503020204020204" charset="-122"/>
-            </a:endParaRPr>
-          </a:p>
-          <a:p>
-            <a:r>
-              <a:rPr lang="en-US" sz="1600" dirty="0">
-                <a:solidFill>
-                  <a:schemeClr val="tx1"/>
-                </a:solidFill>
-                <a:latin typeface="微软雅黑" panose="020B0503020204020204" charset="-122"/>
-                <a:ea typeface="微软雅黑" panose="020B0503020204020204" charset="-122"/>
-              </a:rPr>
-              <a:t>        </a:t>
-            </a:r>
-            <a:r>
-              <a:rPr lang="zh-CN" altLang="en-US" sz="1600" dirty="0">
-                <a:solidFill>
-                  <a:schemeClr val="tx1"/>
-                </a:solidFill>
-                <a:latin typeface="微软雅黑" panose="020B0503020204020204" charset="-122"/>
-                <a:ea typeface="微软雅黑" panose="020B0503020204020204" charset="-122"/>
-              </a:rPr>
-              <a:t>之前做过一次基于点云的数据分析小算法，然后看到了一篇点云的预训练论文，感觉点云方向的数据分析也是一个不错的方向，然后一些基于点+体素的</a:t>
-            </a:r>
-            <a:r>
-              <a:rPr lang="en-US" altLang="zh-CN" sz="1600" dirty="0">
-                <a:solidFill>
-                  <a:schemeClr val="tx1"/>
-                </a:solidFill>
-                <a:latin typeface="微软雅黑" panose="020B0503020204020204" charset="-122"/>
-                <a:ea typeface="微软雅黑" panose="020B0503020204020204" charset="-122"/>
-              </a:rPr>
-              <a:t>3d detection</a:t>
-            </a:r>
-            <a:r>
-              <a:rPr lang="zh-CN" altLang="en-US" sz="1600" dirty="0">
-                <a:solidFill>
-                  <a:schemeClr val="tx1"/>
-                </a:solidFill>
-                <a:latin typeface="微软雅黑" panose="020B0503020204020204" charset="-122"/>
-                <a:ea typeface="微软雅黑" panose="020B0503020204020204" charset="-122"/>
-              </a:rPr>
-              <a:t>能够利用到一些</a:t>
-            </a:r>
-            <a:r>
-              <a:rPr lang="en-US" altLang="zh-CN" sz="1600" dirty="0">
-                <a:solidFill>
-                  <a:schemeClr val="tx1"/>
-                </a:solidFill>
-                <a:latin typeface="微软雅黑" panose="020B0503020204020204" charset="-122"/>
-                <a:ea typeface="微软雅黑" panose="020B0503020204020204" charset="-122"/>
-              </a:rPr>
-              <a:t>box proposal</a:t>
-            </a:r>
-            <a:r>
-              <a:rPr lang="zh-CN" altLang="en-US" sz="1600" dirty="0">
-                <a:solidFill>
-                  <a:schemeClr val="tx1"/>
-                </a:solidFill>
-                <a:latin typeface="微软雅黑" panose="020B0503020204020204" charset="-122"/>
-                <a:ea typeface="微软雅黑" panose="020B0503020204020204" charset="-122"/>
-              </a:rPr>
-              <a:t>的方法，我想就是能不能够在这个</a:t>
-            </a:r>
-            <a:r>
-              <a:rPr lang="en-US" altLang="zh-CN" sz="1600" dirty="0">
-                <a:solidFill>
-                  <a:schemeClr val="tx1"/>
-                </a:solidFill>
-                <a:latin typeface="微软雅黑" panose="020B0503020204020204" charset="-122"/>
-                <a:ea typeface="微软雅黑" panose="020B0503020204020204" charset="-122"/>
-              </a:rPr>
-              <a:t>proposal</a:t>
-            </a:r>
-            <a:r>
-              <a:rPr lang="zh-CN" altLang="en-US" sz="1600" dirty="0">
-                <a:solidFill>
-                  <a:schemeClr val="tx1"/>
-                </a:solidFill>
-                <a:latin typeface="微软雅黑" panose="020B0503020204020204" charset="-122"/>
-                <a:ea typeface="微软雅黑" panose="020B0503020204020204" charset="-122"/>
-              </a:rPr>
-              <a:t>上做工作，在这两种元素的结合方式上做文章</a:t>
-            </a:r>
-            <a:endParaRPr lang="en-US" sz="1600" dirty="0">
-              <a:solidFill>
-                <a:schemeClr val="tx1"/>
-              </a:solidFill>
-              <a:latin typeface="微软雅黑" panose="020B0503020204020204" charset="-122"/>
-              <a:ea typeface="微软雅黑" panose="020B0503020204020204" charset="-122"/>
-            </a:endParaRPr>
-          </a:p>
-          <a:p>
-            <a:endParaRPr lang="en-US" sz="1600" dirty="0">
-              <a:solidFill>
-                <a:schemeClr val="tx1"/>
-              </a:solidFill>
-              <a:latin typeface="微软雅黑" panose="020B0503020204020204" charset="-122"/>
-              <a:ea typeface="微软雅黑" panose="020B0503020204020204" charset="-122"/>
-            </a:endParaRPr>
-          </a:p>
-        </p:txBody>
-      </p:sp>
-      <p:pic>
-        <p:nvPicPr>
-          <p:cNvPr id="8" name="图片 7" descr="upload_post_object_v2_3539425855"/>
-          <p:cNvPicPr>
-            <a:picLocks noChangeAspect="1"/>
-          </p:cNvPicPr>
-          <p:nvPr/>
-        </p:nvPicPr>
-        <p:blipFill>
-          <a:blip r:embed="rId4"/>
-          <a:stretch>
-            <a:fillRect/>
-          </a:stretch>
-        </p:blipFill>
-        <p:spPr>
-          <a:xfrm>
-            <a:off x="7149883" y="1150800"/>
-            <a:ext cx="4279769" cy="2618041"/>
-          </a:xfrm>
-          <a:prstGeom prst="rect">
-            <a:avLst/>
-          </a:prstGeom>
-        </p:spPr>
-      </p:pic>
+        </p:txBody>
+      </p:sp>
     </p:spTree>
   </p:cSld>
   <p:clrMapOvr>
@@ -6213,12 +5814,9 @@
                 <a:latin typeface="微软雅黑" panose="020B0503020204020204" charset="-122"/>
                 <a:ea typeface="微软雅黑" panose="020B0503020204020204" charset="-122"/>
               </a:rPr>
-              <a:t>有了解但是没太多想法的方向</a:t>
-            </a:r>
-            <a:endParaRPr lang="zh-CN" altLang="en-US" sz="2000" b="1" dirty="0">
-              <a:latin typeface="微软雅黑" panose="020B0503020204020204" charset="-122"/>
-              <a:ea typeface="微软雅黑" panose="020B0503020204020204" charset="-122"/>
-            </a:endParaRPr>
+              <a:t>方向</a:t>
+            </a:r>
+            <a:endParaRPr lang="zh-CN" altLang="en-US" sz="2000" b="1" dirty="0"/>
           </a:p>
         </p:txBody>
       </p:sp>
@@ -6335,7 +5933,7 @@
                 <a:ea typeface="微软雅黑" panose="020B0503020204020204" charset="-122"/>
                 <a:sym typeface="+mn-ea"/>
               </a:rPr>
-              <a:t>了解、学习到的一些大模型的方向</a:t>
+              <a:t>了解、学习到的一些大模型、多模态的内容</a:t>
             </a:r>
             <a:endParaRPr lang="en-US" altLang="zh-CN" dirty="0">
               <a:effectLst/>
@@ -6378,11 +5976,18 @@
               <a:buChar char="p"/>
             </a:pPr>
             <a:r>
+              <a:rPr lang="zh-CN" b="1" dirty="0">
+                <a:latin typeface="微软雅黑" panose="020B0503020204020204" charset="-122"/>
+                <a:ea typeface="微软雅黑" panose="020B0503020204020204" charset="-122"/>
+              </a:rPr>
+              <a:t>大模型的微调</a:t>
+            </a:r>
+            <a:r>
               <a:rPr lang="zh-CN" altLang="en-US" b="1" dirty="0">
                 <a:latin typeface="微软雅黑" panose="020B0503020204020204" charset="-122"/>
                 <a:ea typeface="微软雅黑" panose="020B0503020204020204" charset="-122"/>
               </a:rPr>
-              <a:t>监督问题：</a:t>
+              <a:t>：</a:t>
             </a:r>
             <a:endParaRPr lang="zh-CN" altLang="en-US" b="1" dirty="0">
               <a:latin typeface="微软雅黑" panose="020B0503020204020204" charset="-122"/>
@@ -6393,89 +5998,14 @@
       </p:sp>
       <p:sp>
         <p:nvSpPr>
-          <p:cNvPr id="8" name="文本框 7"/>
+          <p:cNvPr id="6" name="文本框 5"/>
           <p:cNvSpPr txBox="1"/>
           <p:nvPr/>
         </p:nvSpPr>
         <p:spPr>
           <a:xfrm>
-            <a:off x="867410" y="1478598"/>
-            <a:ext cx="5779600" cy="582930"/>
-          </a:xfrm>
-          <a:prstGeom prst="rect">
-            <a:avLst/>
-          </a:prstGeom>
-        </p:spPr>
-        <p:txBody>
-          <a:bodyPr wrap="square">
-            <a:noAutofit/>
-          </a:bodyPr>
-          <a:p>
-            <a:pPr marL="0" indent="0"/>
-            <a:r>
-              <a:rPr lang="zh-CN" altLang="en-US" sz="1600" dirty="0">
-                <a:solidFill>
-                  <a:srgbClr val="4D4D4D"/>
-                </a:solidFill>
-                <a:latin typeface="-apple-system"/>
-                <a:ea typeface="-apple-system"/>
-              </a:rPr>
-              <a:t>之前了解到的方向大多数默认全监督，有些半监督，弱监督，自监督的模型也很重要</a:t>
-            </a:r>
-            <a:endParaRPr lang="zh-CN" altLang="en-US" sz="1600" dirty="0">
-              <a:solidFill>
-                <a:srgbClr val="4D4D4D"/>
-              </a:solidFill>
-              <a:latin typeface="-apple-system"/>
-              <a:ea typeface="-apple-system"/>
-            </a:endParaRPr>
-          </a:p>
-          <a:p>
-            <a:pPr marL="0" indent="0"/>
-            <a:endParaRPr lang="zh-CN" altLang="en-US" sz="1600" b="0" i="0">
-              <a:solidFill>
-                <a:srgbClr val="4D4D4D"/>
-              </a:solidFill>
-              <a:latin typeface="-apple-system"/>
-              <a:ea typeface="-apple-system"/>
-            </a:endParaRPr>
-          </a:p>
-          <a:p>
-            <a:pPr marL="0" indent="0"/>
-            <a:r>
-              <a:rPr lang="zh-CN" altLang="en-US" sz="1600" b="0" i="0" dirty="0">
-                <a:solidFill>
-                  <a:srgbClr val="4D4D4D"/>
-                </a:solidFill>
-                <a:latin typeface="-apple-system" charset="0"/>
-                <a:ea typeface="-apple-system" charset="0"/>
-              </a:rPr>
-              <a:t>我想的是能不能做一些这类方向的内容，不过我对半监督和弱监督自监督的理念不是很熟悉</a:t>
-            </a:r>
-            <a:endParaRPr lang="zh-CN" altLang="en-US" sz="1600" b="0" i="0">
-              <a:solidFill>
-                <a:srgbClr val="4D4D4D"/>
-              </a:solidFill>
-              <a:latin typeface="-apple-system"/>
-              <a:ea typeface="-apple-system"/>
-            </a:endParaRPr>
-          </a:p>
-        </p:txBody>
-      </p:sp>
-      <p:sp>
-        <p:nvSpPr>
-          <p:cNvPr id="9" name="文本框 8"/>
-          <p:cNvSpPr txBox="1"/>
-          <p:nvPr>
-            <p:custDataLst>
-              <p:tags r:id="rId3"/>
-            </p:custDataLst>
-          </p:nvPr>
-        </p:nvSpPr>
-        <p:spPr>
-          <a:xfrm>
-            <a:off x="455295" y="3175635"/>
-            <a:ext cx="6574155" cy="506730"/>
+            <a:off x="233045" y="989965"/>
+            <a:ext cx="11532235" cy="829945"/>
           </a:xfrm>
           <a:prstGeom prst="rect">
             <a:avLst/>
@@ -6483,140 +6013,84 @@
           <a:noFill/>
         </p:spPr>
         <p:txBody>
-          <a:bodyPr wrap="square" rtlCol="0">
-            <a:spAutoFit/>
+          <a:bodyPr wrap="square" rtlCol="0" anchor="t">
+            <a:noAutofit/>
           </a:bodyPr>
           <a:p>
-            <a:pPr marL="285750" indent="-285750">
-              <a:lnSpc>
-                <a:spcPct val="150000"/>
-              </a:lnSpc>
-              <a:buFont typeface="Wingdings" panose="05000000000000000000" charset="0"/>
-              <a:buChar char="p"/>
-            </a:pPr>
-            <a:r>
-              <a:rPr lang="zh-CN" altLang="en-US" b="1" dirty="0">
+            <a:r>
+              <a:rPr lang="en-US" sz="1600" dirty="0">
+                <a:solidFill>
+                  <a:schemeClr val="tx1"/>
+                </a:solidFill>
                 <a:latin typeface="微软雅黑" panose="020B0503020204020204" charset="-122"/>
                 <a:ea typeface="微软雅黑" panose="020B0503020204020204" charset="-122"/>
               </a:rPr>
-              <a:t>域适应的问题：</a:t>
-            </a:r>
-            <a:endParaRPr lang="zh-CN" altLang="en-US" b="1" dirty="0">
+              <a:t>  </a:t>
+            </a:r>
+            <a:endParaRPr lang="en-US" sz="1600" dirty="0">
+              <a:solidFill>
+                <a:schemeClr val="tx1"/>
+              </a:solidFill>
               <a:latin typeface="微软雅黑" panose="020B0503020204020204" charset="-122"/>
               <a:ea typeface="微软雅黑" panose="020B0503020204020204" charset="-122"/>
             </a:endParaRPr>
           </a:p>
-        </p:txBody>
-      </p:sp>
-      <p:sp>
-        <p:nvSpPr>
-          <p:cNvPr id="10" name="文本框 9"/>
-          <p:cNvSpPr txBox="1"/>
-          <p:nvPr/>
-        </p:nvSpPr>
-        <p:spPr>
-          <a:xfrm>
-            <a:off x="867346" y="3682365"/>
-            <a:ext cx="10886504" cy="582930"/>
-          </a:xfrm>
-          <a:prstGeom prst="rect">
-            <a:avLst/>
-          </a:prstGeom>
-        </p:spPr>
-        <p:txBody>
-          <a:bodyPr wrap="square">
-            <a:noAutofit/>
-          </a:bodyPr>
-          <a:p>
-            <a:pPr marL="0" indent="0"/>
-            <a:r>
-              <a:rPr lang="zh-CN" altLang="en-US" sz="1600" b="0" i="0" dirty="0">
+          <a:p>
+            <a:endParaRPr lang="en-US" sz="1600" dirty="0">
+              <a:solidFill>
+                <a:schemeClr val="tx1"/>
+              </a:solidFill>
+              <a:latin typeface="微软雅黑" panose="020B0503020204020204" charset="-122"/>
+              <a:ea typeface="微软雅黑" panose="020B0503020204020204" charset="-122"/>
+            </a:endParaRPr>
+          </a:p>
+          <a:p>
+            <a:r>
+              <a:rPr lang="en-US" sz="1600" dirty="0">
                 <a:solidFill>
-                  <a:srgbClr val="4D4D4D"/>
+                  <a:schemeClr val="tx1"/>
                 </a:solidFill>
-                <a:latin typeface="-apple-system"/>
-                <a:ea typeface="-apple-system"/>
+                <a:latin typeface="微软雅黑" panose="020B0503020204020204" charset="-122"/>
+                <a:ea typeface="微软雅黑" panose="020B0503020204020204" charset="-122"/>
               </a:rPr>
-              <a:t>在不同的环境下，</a:t>
-            </a:r>
-            <a:r>
-              <a:rPr lang="en-US" altLang="zh-CN" sz="1600" b="0" i="0" dirty="0">
-                <a:solidFill>
-                  <a:srgbClr val="4D4D4D"/>
-                </a:solidFill>
-                <a:latin typeface="-apple-system"/>
-                <a:ea typeface="-apple-system"/>
-              </a:rPr>
-              <a:t>3d detection</a:t>
-            </a:r>
-            <a:r>
-              <a:rPr lang="zh-CN" altLang="en-US" sz="1600" b="0" i="0" dirty="0">
-                <a:solidFill>
-                  <a:srgbClr val="4D4D4D"/>
-                </a:solidFill>
-                <a:latin typeface="-apple-system"/>
-                <a:ea typeface="-apple-system"/>
-              </a:rPr>
-              <a:t>在一个领域内训练出来的模型在另一个领域表现不好。就比如之前老师推荐的论文里面说的那个室内室外点云的信息密度不同问题，室内太过密集导致浪费，室外太过稀疏导致缺失。</a:t>
-            </a:r>
-            <a:endParaRPr lang="zh-CN" altLang="en-US" sz="1600" b="0" i="0" dirty="0">
-              <a:solidFill>
-                <a:srgbClr val="4D4D4D"/>
-              </a:solidFill>
-              <a:latin typeface="-apple-system"/>
-              <a:ea typeface="-apple-system"/>
-            </a:endParaRPr>
-          </a:p>
-          <a:p>
-            <a:pPr marL="0" indent="0"/>
-            <a:endParaRPr lang="zh-CN" altLang="en-US" sz="1600" b="0" i="0">
-              <a:solidFill>
-                <a:srgbClr val="4D4D4D"/>
-              </a:solidFill>
-              <a:latin typeface="-apple-system"/>
-              <a:ea typeface="-apple-system"/>
-            </a:endParaRPr>
-          </a:p>
-          <a:p>
-            <a:pPr marL="0" indent="0"/>
+              <a:t>       </a:t>
+            </a:r>
             <a:r>
               <a:rPr lang="zh-CN" altLang="en-US" sz="1600" dirty="0">
                 <a:solidFill>
-                  <a:srgbClr val="4D4D4D"/>
+                  <a:schemeClr val="tx1"/>
                 </a:solidFill>
-                <a:latin typeface="-apple-system" charset="0"/>
-                <a:ea typeface="-apple-system" charset="0"/>
+                <a:latin typeface="微软雅黑" panose="020B0503020204020204" charset="-122"/>
+                <a:ea typeface="微软雅黑" panose="020B0503020204020204" charset="-122"/>
               </a:rPr>
-              <a:t>我想能不能多参考一些方法在这些不同区域内模型的适应问题做文章。比如说点云-体素结合时出现的室内室外问题等</a:t>
-            </a:r>
-            <a:endParaRPr lang="zh-CN" altLang="en-US" sz="1600" b="0" i="0">
+              <a:t>简单认识了一下几种大模型的微调方法，同时邹学长做的就是文生图大模型的一个微调，限制版权问题，我想如果最后在这方面做尝试可以和邹学长交流多一点</a:t>
+            </a:r>
+            <a:endParaRPr lang="zh-CN" altLang="en-US" sz="1600" dirty="0">
               <a:solidFill>
-                <a:srgbClr val="4D4D4D"/>
+                <a:schemeClr val="tx1"/>
               </a:solidFill>
-              <a:latin typeface="-apple-system"/>
-              <a:ea typeface="-apple-system"/>
+              <a:latin typeface="微软雅黑" panose="020B0503020204020204" charset="-122"/>
+              <a:ea typeface="微软雅黑" panose="020B0503020204020204" charset="-122"/>
             </a:endParaRPr>
           </a:p>
         </p:txBody>
       </p:sp>
       <p:pic>
         <p:nvPicPr>
-          <p:cNvPr id="11" name="图片 10" descr="upload_post_object_v2_4284610822"/>
-          <p:cNvPicPr>
-            <a:picLocks noChangeAspect="1"/>
-          </p:cNvPicPr>
+          <p:cNvPr id="9" name="图片 8"/>
+          <p:cNvPicPr/>
           <p:nvPr/>
         </p:nvPicPr>
         <p:blipFill>
-          <a:blip r:embed="rId4"/>
+          <a:blip r:embed="rId3"/>
           <a:stretch>
             <a:fillRect/>
           </a:stretch>
         </p:blipFill>
         <p:spPr>
           <a:xfrm>
-            <a:off x="6858000" y="854035"/>
-            <a:ext cx="5219700" cy="2136815"/>
+            <a:off x="349250" y="2190750"/>
+            <a:ext cx="5353050" cy="4470400"/>
           </a:xfrm>
           <a:prstGeom prst="rect">
             <a:avLst/>
@@ -6679,12 +6153,9 @@
                 <a:latin typeface="微软雅黑" panose="020B0503020204020204" charset="-122"/>
                 <a:ea typeface="微软雅黑" panose="020B0503020204020204" charset="-122"/>
               </a:rPr>
-              <a:t>有了解但是没什么概念的方向</a:t>
-            </a:r>
-            <a:endParaRPr lang="zh-CN" altLang="en-US" sz="2000" b="1" dirty="0">
-              <a:latin typeface="微软雅黑" panose="020B0503020204020204" charset="-122"/>
-              <a:ea typeface="微软雅黑" panose="020B0503020204020204" charset="-122"/>
-            </a:endParaRPr>
+              <a:t>方向</a:t>
+            </a:r>
+            <a:endParaRPr lang="zh-CN" altLang="en-US" sz="2000" b="1" dirty="0"/>
           </a:p>
         </p:txBody>
       </p:sp>
@@ -6801,7 +6272,7 @@
                 <a:ea typeface="微软雅黑" panose="020B0503020204020204" charset="-122"/>
                 <a:sym typeface="+mn-ea"/>
               </a:rPr>
-              <a:t>了解、学习到的一些大模型的方向</a:t>
+              <a:t>了解、学习到的一些大模型、多模态的内容</a:t>
             </a:r>
             <a:endParaRPr lang="en-US" altLang="zh-CN" dirty="0">
               <a:effectLst/>
@@ -6813,7 +6284,7 @@
       </p:sp>
       <p:sp>
         <p:nvSpPr>
-          <p:cNvPr id="5" name="文本框 4"/>
+          <p:cNvPr id="2" name="文本框 1"/>
           <p:cNvSpPr txBox="1"/>
           <p:nvPr>
             <p:custDataLst>
@@ -6823,7 +6294,7 @@
         </p:nvSpPr>
         <p:spPr>
           <a:xfrm>
-            <a:off x="455295" y="972185"/>
+            <a:off x="455295" y="973115"/>
             <a:ext cx="6574155" cy="506730"/>
           </a:xfrm>
           <a:prstGeom prst="rect">
@@ -6844,11 +6315,18 @@
               <a:buChar char="p"/>
             </a:pPr>
             <a:r>
+              <a:rPr lang="zh-CN" b="1" dirty="0">
+                <a:latin typeface="微软雅黑" panose="020B0503020204020204" charset="-122"/>
+                <a:ea typeface="微软雅黑" panose="020B0503020204020204" charset="-122"/>
+              </a:rPr>
+              <a:t>多模态大模型</a:t>
+            </a:r>
+            <a:r>
               <a:rPr lang="zh-CN" altLang="en-US" b="1" dirty="0">
                 <a:latin typeface="微软雅黑" panose="020B0503020204020204" charset="-122"/>
                 <a:ea typeface="微软雅黑" panose="020B0503020204020204" charset="-122"/>
               </a:rPr>
-              <a:t>多模态融合：</a:t>
+              <a:t>：</a:t>
             </a:r>
             <a:endParaRPr lang="zh-CN" altLang="en-US" b="1" dirty="0">
               <a:latin typeface="微软雅黑" panose="020B0503020204020204" charset="-122"/>
@@ -6859,18 +6337,14 @@
       </p:sp>
       <p:sp>
         <p:nvSpPr>
-          <p:cNvPr id="2" name="文本框 1"/>
+          <p:cNvPr id="11" name="文本框 10"/>
           <p:cNvSpPr txBox="1"/>
-          <p:nvPr>
-            <p:custDataLst>
-              <p:tags r:id="rId3"/>
-            </p:custDataLst>
-          </p:nvPr>
-        </p:nvSpPr>
-        <p:spPr>
-          <a:xfrm>
-            <a:off x="455295" y="3999929"/>
-            <a:ext cx="6574155" cy="506730"/>
+          <p:nvPr/>
+        </p:nvSpPr>
+        <p:spPr>
+          <a:xfrm>
+            <a:off x="233045" y="1479550"/>
+            <a:ext cx="10356215" cy="340360"/>
           </a:xfrm>
           <a:prstGeom prst="rect">
             <a:avLst/>
@@ -6878,25 +6352,52 @@
           <a:noFill/>
         </p:spPr>
         <p:txBody>
-          <a:bodyPr wrap="square" rtlCol="0">
-            <a:spAutoFit/>
+          <a:bodyPr wrap="square" rtlCol="0" anchor="t">
+            <a:noAutofit/>
           </a:bodyPr>
           <a:p>
-            <a:pPr marL="285750" indent="-285750">
-              <a:lnSpc>
-                <a:spcPct val="150000"/>
-              </a:lnSpc>
-              <a:buFont typeface="Wingdings" panose="05000000000000000000" charset="0"/>
-              <a:buChar char="p"/>
-            </a:pPr>
-            <a:r>
-              <a:rPr lang="zh-CN" altLang="en-US" b="1" dirty="0">
+            <a:r>
+              <a:rPr lang="en-US" sz="1600" dirty="0">
+                <a:solidFill>
+                  <a:schemeClr val="tx1"/>
+                </a:solidFill>
                 <a:latin typeface="微软雅黑" panose="020B0503020204020204" charset="-122"/>
                 <a:ea typeface="微软雅黑" panose="020B0503020204020204" charset="-122"/>
               </a:rPr>
-              <a:t>时序信息的检测：</a:t>
-            </a:r>
-            <a:endParaRPr lang="zh-CN" altLang="en-US" b="1" dirty="0">
+              <a:t>     </a:t>
+            </a:r>
+            <a:r>
+              <a:rPr lang="zh-CN" altLang="en-US" sz="1600" dirty="0">
+                <a:solidFill>
+                  <a:schemeClr val="tx1"/>
+                </a:solidFill>
+                <a:latin typeface="微软雅黑" panose="020B0503020204020204" charset="-122"/>
+                <a:ea typeface="微软雅黑" panose="020B0503020204020204" charset="-122"/>
+              </a:rPr>
+              <a:t>多模态的融合可能是我在看了老师分享的内容并和学长聊过之后比较感兴趣的内容了。因为他涉及到一些视觉特征的提取转化再对齐，这些思想在之前我看的一篇创新点在</a:t>
+            </a:r>
+            <a:r>
+              <a:rPr lang="zh-CN" altLang="en-US" sz="1600" dirty="0">
+                <a:latin typeface="微软雅黑" panose="020B0503020204020204" charset="-122"/>
+                <a:ea typeface="微软雅黑" panose="020B0503020204020204" charset="-122"/>
+                <a:sym typeface="+mn-ea"/>
+              </a:rPr>
+              <a:t>多尺度特征图上</a:t>
+            </a:r>
+            <a:r>
+              <a:rPr lang="zh-CN" altLang="en-US" sz="1600" dirty="0">
+                <a:solidFill>
+                  <a:schemeClr val="tx1"/>
+                </a:solidFill>
+                <a:latin typeface="微软雅黑" panose="020B0503020204020204" charset="-122"/>
+                <a:ea typeface="微软雅黑" panose="020B0503020204020204" charset="-122"/>
+              </a:rPr>
+              <a:t>应用可变形注意力机制的文章中提到的特征对齐有点相似。</a:t>
+            </a:r>
+            <a:endParaRPr lang="zh-CN" altLang="en-US" sz="1600" dirty="0">
+              <a:solidFill>
+                <a:schemeClr val="tx1"/>
+              </a:solidFill>
               <a:latin typeface="微软雅黑" panose="020B0503020204020204" charset="-122"/>
               <a:ea typeface="微软雅黑" panose="020B0503020204020204" charset="-122"/>
             </a:endParaRPr>
@@ -6905,117 +6406,26 @@
       </p:sp>
       <p:pic>
         <p:nvPicPr>
-          <p:cNvPr id="6" name="图片 5"/>
+          <p:cNvPr id="5" name="图片 4"/>
           <p:cNvPicPr/>
           <p:nvPr/>
         </p:nvPicPr>
         <p:blipFill>
-          <a:blip r:embed="rId4"/>
+          <a:blip r:embed="rId3"/>
           <a:stretch>
             <a:fillRect/>
           </a:stretch>
         </p:blipFill>
         <p:spPr>
           <a:xfrm>
-            <a:off x="867410" y="4843780"/>
-            <a:ext cx="9806940" cy="1895475"/>
+            <a:off x="5784850" y="2110740"/>
+            <a:ext cx="6407150" cy="4298950"/>
           </a:xfrm>
           <a:prstGeom prst="rect">
             <a:avLst/>
           </a:prstGeom>
         </p:spPr>
       </p:pic>
-      <p:sp>
-        <p:nvSpPr>
-          <p:cNvPr id="4" name="文本框 3"/>
-          <p:cNvSpPr txBox="1"/>
-          <p:nvPr/>
-        </p:nvSpPr>
-        <p:spPr>
-          <a:xfrm>
-            <a:off x="323215" y="4506595"/>
-            <a:ext cx="10351770" cy="583565"/>
-          </a:xfrm>
-          <a:prstGeom prst="rect">
-            <a:avLst/>
-          </a:prstGeom>
-        </p:spPr>
-        <p:txBody>
-          <a:bodyPr wrap="square">
-            <a:spAutoFit/>
-          </a:bodyPr>
-          <a:p>
-            <a:pPr marL="0" indent="457200" algn="l">
-              <a:buClrTx/>
-              <a:buSzTx/>
-              <a:buNone/>
-            </a:pPr>
-            <a:r>
-              <a:rPr lang="en-US" sz="1600" b="0" i="0" dirty="0">
-                <a:latin typeface="微软雅黑" panose="020B0503020204020204" charset="-122"/>
-                <a:ea typeface="微软雅黑" panose="020B0503020204020204" charset="-122"/>
-              </a:rPr>
-              <a:t>激光雷达序列检测，流输入检测，从视频中检测</a:t>
-            </a:r>
-            <a:r>
-              <a:rPr lang="zh-CN" altLang="en-US" sz="1600" b="0" i="0" dirty="0">
-                <a:latin typeface="微软雅黑" panose="020B0503020204020204" charset="-122"/>
-                <a:ea typeface="微软雅黑" panose="020B0503020204020204" charset="-122"/>
-              </a:rPr>
-              <a:t>。了解了光流处理中的光流评价问题，端到端的光流检测的小空缺，在想能不能实现一些端到端的光流测评模型</a:t>
-            </a:r>
-            <a:endParaRPr lang="zh-CN" altLang="en-US" sz="1600" b="0" i="0" dirty="0">
-              <a:latin typeface="微软雅黑" panose="020B0503020204020204" charset="-122"/>
-              <a:ea typeface="微软雅黑" panose="020B0503020204020204" charset="-122"/>
-            </a:endParaRPr>
-          </a:p>
-        </p:txBody>
-      </p:sp>
-      <p:sp>
-        <p:nvSpPr>
-          <p:cNvPr id="8" name="文本框 7"/>
-          <p:cNvSpPr txBox="1"/>
-          <p:nvPr/>
-        </p:nvSpPr>
-        <p:spPr>
-          <a:xfrm>
-            <a:off x="867410" y="1478598"/>
-            <a:ext cx="6827350" cy="582930"/>
-          </a:xfrm>
-          <a:prstGeom prst="rect">
-            <a:avLst/>
-          </a:prstGeom>
-        </p:spPr>
-        <p:txBody>
-          <a:bodyPr wrap="square">
-            <a:noAutofit/>
-          </a:bodyPr>
-          <a:p>
-            <a:pPr marL="0" indent="0"/>
-            <a:r>
-              <a:rPr lang="en-US" sz="1600" b="0" i="0" dirty="0">
-                <a:latin typeface="微软雅黑" panose="020B0503020204020204" charset="-122"/>
-                <a:ea typeface="微软雅黑" panose="020B0503020204020204" charset="-122"/>
-              </a:rPr>
-              <a:t>LiDAR-相机、雷达、地图融合等方法</a:t>
-            </a:r>
-            <a:r>
-              <a:rPr lang="zh-CN" altLang="en-US" sz="1600" b="0" i="0" dirty="0">
-                <a:latin typeface="微软雅黑" panose="020B0503020204020204" charset="-122"/>
-                <a:ea typeface="微软雅黑" panose="020B0503020204020204" charset="-122"/>
-              </a:rPr>
-              <a:t>。多视图多视点融合。</a:t>
-            </a:r>
-            <a:endParaRPr lang="zh-CN" altLang="en-US" sz="1600" b="0" i="0">
-              <a:solidFill>
-                <a:srgbClr val="4D4D4D"/>
-              </a:solidFill>
-              <a:latin typeface="-apple-system"/>
-              <a:ea typeface="-apple-system"/>
-            </a:endParaRPr>
-          </a:p>
-        </p:txBody>
-      </p:sp>
     </p:spTree>
   </p:cSld>
   <p:clrMapOvr>
@@ -7532,7 +6942,7 @@
                 <a:latin typeface="微软雅黑" panose="020B0503020204020204" charset="-122"/>
                 <a:ea typeface="微软雅黑" panose="020B0503020204020204" charset="-122"/>
               </a:rPr>
-              <a:t>1.</a:t>
+              <a:t>1.  </a:t>
             </a:r>
             <a:r>
               <a:rPr lang="zh-CN" altLang="en-US" sz="1600" dirty="0">
@@ -7542,7 +6952,7 @@
                 <a:latin typeface="微软雅黑" panose="020B0503020204020204" charset="-122"/>
                 <a:ea typeface="微软雅黑" panose="020B0503020204020204" charset="-122"/>
               </a:rPr>
-              <a:t>一些代码改成</a:t>
+              <a:t>大模型的微调（文生图等等</a:t>
             </a:r>
             <a:r>
               <a:rPr lang="en-US" altLang="zh-CN" sz="1600" dirty="0">
@@ -7552,7 +6962,7 @@
                 <a:latin typeface="微软雅黑" panose="020B0503020204020204" charset="-122"/>
                 <a:ea typeface="微软雅黑" panose="020B0503020204020204" charset="-122"/>
               </a:rPr>
-              <a:t>Transformer</a:t>
+              <a:t>...</a:t>
             </a:r>
             <a:r>
               <a:rPr lang="zh-CN" altLang="en-US" sz="1600" dirty="0">
@@ -7562,8 +6972,53 @@
                 <a:latin typeface="微软雅黑" panose="020B0503020204020204" charset="-122"/>
                 <a:ea typeface="微软雅黑" panose="020B0503020204020204" charset="-122"/>
               </a:rPr>
-              <a:t>及其变体</a:t>
-            </a:r>
+              <a:t>）</a:t>
+            </a:r>
+            <a:endParaRPr lang="zh-CN" altLang="en-US" sz="1600" dirty="0">
+              <a:solidFill>
+                <a:schemeClr val="tx1"/>
+              </a:solidFill>
+              <a:latin typeface="微软雅黑" panose="020B0503020204020204" charset="-122"/>
+              <a:ea typeface="微软雅黑" panose="020B0503020204020204" charset="-122"/>
+            </a:endParaRPr>
+          </a:p>
+          <a:p>
+            <a:endParaRPr lang="zh-CN" altLang="en-US" sz="1600" dirty="0">
+              <a:solidFill>
+                <a:schemeClr val="tx1"/>
+              </a:solidFill>
+              <a:latin typeface="微软雅黑" panose="020B0503020204020204" charset="-122"/>
+              <a:ea typeface="微软雅黑" panose="020B0503020204020204" charset="-122"/>
+            </a:endParaRPr>
+          </a:p>
+          <a:p>
+            <a:endParaRPr lang="zh-CN" altLang="en-US" sz="1600" dirty="0">
+              <a:solidFill>
+                <a:schemeClr val="tx1"/>
+              </a:solidFill>
+              <a:latin typeface="微软雅黑" panose="020B0503020204020204" charset="-122"/>
+              <a:ea typeface="微软雅黑" panose="020B0503020204020204" charset="-122"/>
+            </a:endParaRPr>
+          </a:p>
+          <a:p>
+            <a:endParaRPr lang="zh-CN" altLang="en-US" sz="1600" dirty="0">
+              <a:solidFill>
+                <a:schemeClr val="tx1"/>
+              </a:solidFill>
+              <a:latin typeface="微软雅黑" panose="020B0503020204020204" charset="-122"/>
+              <a:ea typeface="微软雅黑" panose="020B0503020204020204" charset="-122"/>
+            </a:endParaRPr>
+          </a:p>
+          <a:p>
+            <a:endParaRPr lang="zh-CN" altLang="en-US" sz="1600" dirty="0">
+              <a:solidFill>
+                <a:schemeClr val="tx1"/>
+              </a:solidFill>
+              <a:latin typeface="微软雅黑" panose="020B0503020204020204" charset="-122"/>
+              <a:ea typeface="微软雅黑" panose="020B0503020204020204" charset="-122"/>
+            </a:endParaRPr>
+          </a:p>
+          <a:p>
             <a:r>
               <a:rPr lang="en-US" altLang="zh-CN" sz="1600" dirty="0">
                 <a:solidFill>
@@ -7572,7 +7027,7 @@
                 <a:latin typeface="微软雅黑" panose="020B0503020204020204" charset="-122"/>
                 <a:ea typeface="微软雅黑" panose="020B0503020204020204" charset="-122"/>
               </a:rPr>
-              <a:t>,</a:t>
+              <a:t>2.  </a:t>
             </a:r>
             <a:r>
               <a:rPr lang="zh-CN" altLang="en-US" sz="1600" dirty="0">
@@ -7582,57 +7037,7 @@
                 <a:latin typeface="微软雅黑" panose="020B0503020204020204" charset="-122"/>
                 <a:ea typeface="微软雅黑" panose="020B0503020204020204" charset="-122"/>
               </a:rPr>
-              <a:t>比如</a:t>
-            </a:r>
-            <a:r>
-              <a:rPr lang="en-US" altLang="zh-CN" sz="1600" dirty="0">
-                <a:solidFill>
-                  <a:schemeClr val="tx1"/>
-                </a:solidFill>
-                <a:latin typeface="微软雅黑" panose="020B0503020204020204" charset="-122"/>
-                <a:ea typeface="微软雅黑" panose="020B0503020204020204" charset="-122"/>
-              </a:rPr>
-              <a:t>RNN</a:t>
-            </a:r>
-            <a:r>
-              <a:rPr lang="zh-CN" altLang="en-US" sz="1600" dirty="0">
-                <a:solidFill>
-                  <a:schemeClr val="tx1"/>
-                </a:solidFill>
-                <a:latin typeface="微软雅黑" panose="020B0503020204020204" charset="-122"/>
-                <a:ea typeface="微软雅黑" panose="020B0503020204020204" charset="-122"/>
-              </a:rPr>
-              <a:t>-</a:t>
-            </a:r>
-            <a:r>
-              <a:rPr lang="en-US" altLang="zh-CN" sz="1600" dirty="0">
-                <a:solidFill>
-                  <a:schemeClr val="tx1"/>
-                </a:solidFill>
-                <a:latin typeface="微软雅黑" panose="020B0503020204020204" charset="-122"/>
-                <a:ea typeface="微软雅黑" panose="020B0503020204020204" charset="-122"/>
-              </a:rPr>
-              <a:t>&gt;Transformer(</a:t>
-            </a:r>
-            <a:r>
-              <a:rPr lang="zh-CN" altLang="en-US" sz="1600" dirty="0">
-                <a:solidFill>
-                  <a:schemeClr val="tx1"/>
-                </a:solidFill>
-                <a:latin typeface="微软雅黑" panose="020B0503020204020204" charset="-122"/>
-                <a:ea typeface="微软雅黑" panose="020B0503020204020204" charset="-122"/>
-              </a:rPr>
-              <a:t>右图</a:t>
-            </a:r>
-            <a:r>
-              <a:rPr lang="en-US" altLang="zh-CN" sz="1600" dirty="0">
-                <a:solidFill>
-                  <a:schemeClr val="tx1"/>
-                </a:solidFill>
-                <a:latin typeface="微软雅黑" panose="020B0503020204020204" charset="-122"/>
-                <a:ea typeface="微软雅黑" panose="020B0503020204020204" charset="-122"/>
-              </a:rPr>
-              <a:t>)</a:t>
+              <a:t>多种模态的科学知识的应用</a:t>
             </a:r>
             <a:endParaRPr lang="zh-CN" altLang="en-US" sz="1600" dirty="0">
               <a:solidFill>
@@ -7652,6 +7057,15 @@
             </a:endParaRPr>
           </a:p>
           <a:p>
+            <a:endParaRPr lang="en-US" altLang="zh-CN" sz="1600" dirty="0">
+              <a:solidFill>
+                <a:schemeClr val="tx1"/>
+              </a:solidFill>
+              <a:latin typeface="微软雅黑" panose="020B0503020204020204" charset="-122"/>
+              <a:ea typeface="微软雅黑" panose="020B0503020204020204" charset="-122"/>
+            </a:endParaRPr>
+          </a:p>
+          <a:p>
             <a:endParaRPr lang="zh-CN" altLang="en-US" sz="1600" dirty="0">
               <a:solidFill>
                 <a:schemeClr val="tx1"/>
@@ -7661,6 +7075,15 @@
             </a:endParaRPr>
           </a:p>
           <a:p>
+            <a:endParaRPr lang="en-US" altLang="zh-CN" sz="1600" dirty="0">
+              <a:solidFill>
+                <a:schemeClr val="tx1"/>
+              </a:solidFill>
+              <a:latin typeface="微软雅黑" panose="020B0503020204020204" charset="-122"/>
+              <a:ea typeface="微软雅黑" panose="020B0503020204020204" charset="-122"/>
+            </a:endParaRPr>
+          </a:p>
+          <a:p>
             <a:endParaRPr lang="zh-CN" altLang="en-US" sz="1600" dirty="0">
               <a:solidFill>
                 <a:schemeClr val="tx1"/>
@@ -7670,84 +7093,6 @@
             </a:endParaRPr>
           </a:p>
           <a:p>
-            <a:endParaRPr lang="zh-CN" altLang="en-US" sz="1600" dirty="0">
-              <a:solidFill>
-                <a:schemeClr val="tx1"/>
-              </a:solidFill>
-              <a:latin typeface="微软雅黑" panose="020B0503020204020204" charset="-122"/>
-              <a:ea typeface="微软雅黑" panose="020B0503020204020204" charset="-122"/>
-            </a:endParaRPr>
-          </a:p>
-          <a:p>
-            <a:endParaRPr lang="zh-CN" altLang="en-US" sz="1600" dirty="0">
-              <a:solidFill>
-                <a:schemeClr val="tx1"/>
-              </a:solidFill>
-              <a:latin typeface="微软雅黑" panose="020B0503020204020204" charset="-122"/>
-              <a:ea typeface="微软雅黑" panose="020B0503020204020204" charset="-122"/>
-            </a:endParaRPr>
-          </a:p>
-          <a:p>
-            <a:r>
-              <a:rPr lang="en-US" altLang="zh-CN" sz="1600" dirty="0">
-                <a:solidFill>
-                  <a:schemeClr val="tx1"/>
-                </a:solidFill>
-                <a:latin typeface="微软雅黑" panose="020B0503020204020204" charset="-122"/>
-                <a:ea typeface="微软雅黑" panose="020B0503020204020204" charset="-122"/>
-              </a:rPr>
-              <a:t>2.</a:t>
-            </a:r>
-            <a:r>
-              <a:rPr lang="zh-CN" altLang="en-US" sz="1600" dirty="0">
-                <a:solidFill>
-                  <a:schemeClr val="tx1"/>
-                </a:solidFill>
-                <a:latin typeface="微软雅黑" panose="020B0503020204020204" charset="-122"/>
-                <a:ea typeface="微软雅黑" panose="020B0503020204020204" charset="-122"/>
-              </a:rPr>
-              <a:t>一些</a:t>
-            </a:r>
-            <a:r>
-              <a:rPr lang="en-US" altLang="zh-CN" sz="1600" dirty="0">
-                <a:solidFill>
-                  <a:schemeClr val="tx1"/>
-                </a:solidFill>
-                <a:latin typeface="微软雅黑" panose="020B0503020204020204" charset="-122"/>
-                <a:ea typeface="微软雅黑" panose="020B0503020204020204" charset="-122"/>
-              </a:rPr>
-              <a:t>work</a:t>
-            </a:r>
-            <a:r>
-              <a:rPr lang="zh-CN" altLang="en-US" sz="1600" dirty="0">
-                <a:solidFill>
-                  <a:schemeClr val="tx1"/>
-                </a:solidFill>
-                <a:latin typeface="微软雅黑" panose="020B0503020204020204" charset="-122"/>
-                <a:ea typeface="微软雅黑" panose="020B0503020204020204" charset="-122"/>
-              </a:rPr>
-              <a:t>内的增加架构（比如说多加一层</a:t>
-            </a:r>
-            <a:r>
-              <a:rPr lang="en-US" altLang="zh-CN" sz="1600" dirty="0">
-                <a:solidFill>
-                  <a:schemeClr val="tx1"/>
-                </a:solidFill>
-                <a:latin typeface="微软雅黑" panose="020B0503020204020204" charset="-122"/>
-                <a:ea typeface="微软雅黑" panose="020B0503020204020204" charset="-122"/>
-              </a:rPr>
-              <a:t>layernorm</a:t>
-            </a:r>
-            <a:r>
-              <a:rPr lang="zh-CN" altLang="en-US" sz="1600" dirty="0">
-                <a:solidFill>
-                  <a:schemeClr val="tx1"/>
-                </a:solidFill>
-                <a:latin typeface="微软雅黑" panose="020B0503020204020204" charset="-122"/>
-                <a:ea typeface="微软雅黑" panose="020B0503020204020204" charset="-122"/>
-              </a:rPr>
-              <a:t>，多加一层残差）</a:t>
-            </a:r>
             <a:endParaRPr lang="en-US" altLang="zh-CN" sz="1600" dirty="0">
               <a:solidFill>
                 <a:schemeClr val="tx1"/>
@@ -7757,15 +7102,6 @@
             </a:endParaRPr>
           </a:p>
           <a:p>
-            <a:endParaRPr lang="zh-CN" altLang="en-US" sz="1600" dirty="0">
-              <a:solidFill>
-                <a:schemeClr val="tx1"/>
-              </a:solidFill>
-              <a:latin typeface="微软雅黑" panose="020B0503020204020204" charset="-122"/>
-              <a:ea typeface="微软雅黑" panose="020B0503020204020204" charset="-122"/>
-            </a:endParaRPr>
-          </a:p>
-          <a:p>
             <a:endParaRPr lang="en-US" altLang="zh-CN" sz="1600" dirty="0">
               <a:solidFill>
                 <a:schemeClr val="tx1"/>
@@ -7775,15 +7111,6 @@
             </a:endParaRPr>
           </a:p>
           <a:p>
-            <a:endParaRPr lang="zh-CN" altLang="en-US" sz="1600" dirty="0">
-              <a:solidFill>
-                <a:schemeClr val="tx1"/>
-              </a:solidFill>
-              <a:latin typeface="微软雅黑" panose="020B0503020204020204" charset="-122"/>
-              <a:ea typeface="微软雅黑" panose="020B0503020204020204" charset="-122"/>
-            </a:endParaRPr>
-          </a:p>
-          <a:p>
             <a:endParaRPr lang="en-US" altLang="zh-CN" sz="1600" dirty="0">
               <a:solidFill>
                 <a:schemeClr val="tx1"/>
@@ -7792,24 +7119,6 @@
               <a:ea typeface="微软雅黑" panose="020B0503020204020204" charset="-122"/>
             </a:endParaRPr>
           </a:p>
-          <a:p>
-            <a:endParaRPr lang="en-US" altLang="zh-CN" sz="1600" dirty="0">
-              <a:solidFill>
-                <a:schemeClr val="tx1"/>
-              </a:solidFill>
-              <a:latin typeface="微软雅黑" panose="020B0503020204020204" charset="-122"/>
-              <a:ea typeface="微软雅黑" panose="020B0503020204020204" charset="-122"/>
-            </a:endParaRPr>
-          </a:p>
-          <a:p>
-            <a:endParaRPr lang="en-US" altLang="zh-CN" sz="1600" dirty="0">
-              <a:solidFill>
-                <a:schemeClr val="tx1"/>
-              </a:solidFill>
-              <a:latin typeface="微软雅黑" panose="020B0503020204020204" charset="-122"/>
-              <a:ea typeface="微软雅黑" panose="020B0503020204020204" charset="-122"/>
-            </a:endParaRPr>
-          </a:p>
         </p:txBody>
       </p:sp>
       <p:sp>
@@ -7860,7 +7169,7 @@
       </p:sp>
       <p:pic>
         <p:nvPicPr>
-          <p:cNvPr id="5" name="图片 4" descr="upload_post_object_v2_2188386250"/>
+          <p:cNvPr id="6" name="图片 5"/>
           <p:cNvPicPr>
             <a:picLocks noChangeAspect="1"/>
           </p:cNvPicPr>
@@ -7874,8 +7183,30 @@
         </p:blipFill>
         <p:spPr>
           <a:xfrm>
-            <a:off x="7841106" y="2575206"/>
-            <a:ext cx="3969968" cy="2283049"/>
+            <a:off x="6748145" y="4076065"/>
+            <a:ext cx="5086350" cy="2616835"/>
+          </a:xfrm>
+          <a:prstGeom prst="rect">
+            <a:avLst/>
+          </a:prstGeom>
+        </p:spPr>
+      </p:pic>
+      <p:pic>
+        <p:nvPicPr>
+          <p:cNvPr id="9" name="图片 8"/>
+          <p:cNvPicPr/>
+          <p:nvPr/>
+        </p:nvPicPr>
+        <p:blipFill>
+          <a:blip r:embed="rId5"/>
+          <a:stretch>
+            <a:fillRect/>
+          </a:stretch>
+        </p:blipFill>
+        <p:spPr>
+          <a:xfrm>
+            <a:off x="8059420" y="586740"/>
+            <a:ext cx="3775075" cy="3441700"/>
           </a:xfrm>
           <a:prstGeom prst="rect">
             <a:avLst/>
@@ -7946,33 +7277,15 @@
 
 <file path=ppt/tags/tag18.xml><?xml version="1.0" encoding="utf-8"?>
 <p:tagLst xmlns:p="http://schemas.openxmlformats.org/presentationml/2006/main">
-  <p:tag name="KSO_WM_BEAUTIFY_FLAG" val=""/>
-</p:tagLst>
-</file>
-
-<file path=ppt/tags/tag19.xml><?xml version="1.0" encoding="utf-8"?>
-<p:tagLst xmlns:p="http://schemas.openxmlformats.org/presentationml/2006/main">
-  <p:tag name="KSO_WM_BEAUTIFY_FLAG" val=""/>
+  <p:tag name="KSO_WPP_MARK_KEY" val="c7925d13-95db-4618-ac98-c22196edd7f9"/>
+  <p:tag name="COMMONDATA" val="eyJoZGlkIjoiZTg3MzIzMDhlODgyZTlkYzQ0OWY3ZDI2YzlhMjBjMGIifQ=="/>
+  <p:tag name="commondata" val="eyJoZGlkIjoiNjRkZDE1MjIxMjM2NmMxYzY5Y2M3N2FjNDEyZThkY2QifQ=="/>
 </p:tagLst>
 </file>
 
 <file path=ppt/tags/tag2.xml><?xml version="1.0" encoding="utf-8"?>
 <p:tagLst xmlns:p="http://schemas.openxmlformats.org/presentationml/2006/main">
   <p:tag name="KSO_WM_DIAGRAM_VIRTUALLY_FRAME" val="{&quot;height&quot;:130.17354330708662,&quot;left&quot;:238.70267716535432,&quot;top&quot;:116.24960629921259,&quot;width&quot;:665.8}"/>
-</p:tagLst>
-</file>
-
-<file path=ppt/tags/tag20.xml><?xml version="1.0" encoding="utf-8"?>
-<p:tagLst xmlns:p="http://schemas.openxmlformats.org/presentationml/2006/main">
-  <p:tag name="KSO_WM_BEAUTIFY_FLAG" val=""/>
-</p:tagLst>
-</file>
-
-<file path=ppt/tags/tag21.xml><?xml version="1.0" encoding="utf-8"?>
-<p:tagLst xmlns:p="http://schemas.openxmlformats.org/presentationml/2006/main">
-  <p:tag name="KSO_WPP_MARK_KEY" val="c7925d13-95db-4618-ac98-c22196edd7f9"/>
-  <p:tag name="COMMONDATA" val="eyJoZGlkIjoiZTg3MzIzMDhlODgyZTlkYzQ0OWY3ZDI2YzlhMjBjMGIifQ=="/>
-  <p:tag name="commondata" val="eyJoZGlkIjoiNjRkZDE1MjIxMjM2NmMxYzY5Y2M3N2FjNDEyZThkY2QifQ=="/>
 </p:tagLst>
 </file>
 
